--- a/052_KNNPredictMovieRating.pptx
+++ b/052_KNNPredictMovieRating.pptx
@@ -6603,23 +6603,7 @@
                   <a:schemeClr val="tx1"/>
                 </a:solidFill>
               </a:rPr>
-              <a:t>We discuss the simple KNN (K-Nearest Neighbor) to predict the complicate problem, predicting the rating of a movie by genre and popularity </a:t>
-            </a:r>
-            <a:r>
-              <a:rPr lang="en-US" sz="1800" b="1" dirty="0" err="1">
-                <a:solidFill>
-                  <a:schemeClr val="tx1"/>
-                </a:solidFill>
-              </a:rPr>
-              <a:t>infroamtion</a:t>
-            </a:r>
-            <a:r>
-              <a:rPr lang="en-US" sz="1800" b="1" dirty="0">
-                <a:solidFill>
-                  <a:schemeClr val="tx1"/>
-                </a:solidFill>
-              </a:rPr>
-              <a:t>.</a:t>
+              <a:t>We discuss the simple KNN (K-Nearest Neighbor) to predict the complicate problem, predicting the rating of a movie by genre and popularity information.</a:t>
             </a:r>
           </a:p>
         </p:txBody>
